--- a/MSc Poster Dissertation.pptx
+++ b/MSc Poster Dissertation.pptx
@@ -6,6 +6,7 @@
   </p:sldMasterIdLst>
   <p:sldIdLst>
     <p:sldId id="256" r:id="rId2"/>
+    <p:sldId id="257" r:id="rId3"/>
   </p:sldIdLst>
   <p:sldSz cx="43891200" cy="32918400"/>
   <p:notesSz cx="6858000" cy="9144000"/>
@@ -269,7 +270,7 @@
           <a:p>
             <a:fld id="{B1D00C88-309E-4A4F-8847-ED100B1C819C}" type="datetimeFigureOut">
               <a:rPr lang="en-GB" smtClean="0"/>
-              <a:t>22/08/2023</a:t>
+              <a:t>05/09/2023</a:t>
             </a:fld>
             <a:endParaRPr lang="en-GB"/>
           </a:p>
@@ -469,7 +470,7 @@
           <a:p>
             <a:fld id="{B1D00C88-309E-4A4F-8847-ED100B1C819C}" type="datetimeFigureOut">
               <a:rPr lang="en-GB" smtClean="0"/>
-              <a:t>22/08/2023</a:t>
+              <a:t>05/09/2023</a:t>
             </a:fld>
             <a:endParaRPr lang="en-GB"/>
           </a:p>
@@ -679,7 +680,7 @@
           <a:p>
             <a:fld id="{B1D00C88-309E-4A4F-8847-ED100B1C819C}" type="datetimeFigureOut">
               <a:rPr lang="en-GB" smtClean="0"/>
-              <a:t>22/08/2023</a:t>
+              <a:t>05/09/2023</a:t>
             </a:fld>
             <a:endParaRPr lang="en-GB"/>
           </a:p>
@@ -879,7 +880,7 @@
           <a:p>
             <a:fld id="{B1D00C88-309E-4A4F-8847-ED100B1C819C}" type="datetimeFigureOut">
               <a:rPr lang="en-GB" smtClean="0"/>
-              <a:t>22/08/2023</a:t>
+              <a:t>05/09/2023</a:t>
             </a:fld>
             <a:endParaRPr lang="en-GB"/>
           </a:p>
@@ -1155,7 +1156,7 @@
           <a:p>
             <a:fld id="{B1D00C88-309E-4A4F-8847-ED100B1C819C}" type="datetimeFigureOut">
               <a:rPr lang="en-GB" smtClean="0"/>
-              <a:t>22/08/2023</a:t>
+              <a:t>05/09/2023</a:t>
             </a:fld>
             <a:endParaRPr lang="en-GB"/>
           </a:p>
@@ -1423,7 +1424,7 @@
           <a:p>
             <a:fld id="{B1D00C88-309E-4A4F-8847-ED100B1C819C}" type="datetimeFigureOut">
               <a:rPr lang="en-GB" smtClean="0"/>
-              <a:t>22/08/2023</a:t>
+              <a:t>05/09/2023</a:t>
             </a:fld>
             <a:endParaRPr lang="en-GB"/>
           </a:p>
@@ -1838,7 +1839,7 @@
           <a:p>
             <a:fld id="{B1D00C88-309E-4A4F-8847-ED100B1C819C}" type="datetimeFigureOut">
               <a:rPr lang="en-GB" smtClean="0"/>
-              <a:t>22/08/2023</a:t>
+              <a:t>05/09/2023</a:t>
             </a:fld>
             <a:endParaRPr lang="en-GB"/>
           </a:p>
@@ -1980,7 +1981,7 @@
           <a:p>
             <a:fld id="{B1D00C88-309E-4A4F-8847-ED100B1C819C}" type="datetimeFigureOut">
               <a:rPr lang="en-GB" smtClean="0"/>
-              <a:t>22/08/2023</a:t>
+              <a:t>05/09/2023</a:t>
             </a:fld>
             <a:endParaRPr lang="en-GB"/>
           </a:p>
@@ -2093,7 +2094,7 @@
           <a:p>
             <a:fld id="{B1D00C88-309E-4A4F-8847-ED100B1C819C}" type="datetimeFigureOut">
               <a:rPr lang="en-GB" smtClean="0"/>
-              <a:t>22/08/2023</a:t>
+              <a:t>05/09/2023</a:t>
             </a:fld>
             <a:endParaRPr lang="en-GB"/>
           </a:p>
@@ -2406,7 +2407,7 @@
           <a:p>
             <a:fld id="{B1D00C88-309E-4A4F-8847-ED100B1C819C}" type="datetimeFigureOut">
               <a:rPr lang="en-GB" smtClean="0"/>
-              <a:t>22/08/2023</a:t>
+              <a:t>05/09/2023</a:t>
             </a:fld>
             <a:endParaRPr lang="en-GB"/>
           </a:p>
@@ -2695,7 +2696,7 @@
           <a:p>
             <a:fld id="{B1D00C88-309E-4A4F-8847-ED100B1C819C}" type="datetimeFigureOut">
               <a:rPr lang="en-GB" smtClean="0"/>
-              <a:t>22/08/2023</a:t>
+              <a:t>05/09/2023</a:t>
             </a:fld>
             <a:endParaRPr lang="en-GB"/>
           </a:p>
@@ -2938,7 +2939,7 @@
           <a:p>
             <a:fld id="{B1D00C88-309E-4A4F-8847-ED100B1C819C}" type="datetimeFigureOut">
               <a:rPr lang="en-GB" smtClean="0"/>
-              <a:t>22/08/2023</a:t>
+              <a:t>05/09/2023</a:t>
             </a:fld>
             <a:endParaRPr lang="en-GB"/>
           </a:p>
@@ -3547,7 +3548,7 @@
           <p:spPr>
             <a:xfrm>
               <a:off x="248930" y="25453776"/>
-              <a:ext cx="10252587" cy="6651591"/>
+              <a:ext cx="10252587" cy="7404601"/>
             </a:xfrm>
             <a:prstGeom prst="rect">
               <a:avLst/>
@@ -3729,7 +3730,7 @@
             <a:p>
               <a:r>
                 <a:rPr lang="en-GB" dirty="0"/>
-                <a:t>Building energy efficiency is shown as a critical component of sustainable development in the context of expanding global energy consumption and environmental concerns. Population growth puts a burden on energy supplies, highlighting the necessity for careful energy management. This requires precise estimations of building energy use. Algorithms for machine learning (ML) are useful tools for understanding complex energy trends and guiding data-driven decisions. Recent developments show ML's capability to forecast building energy demand, enabling better energy planning and cost-effective solutions. These algorithms use historical energy data, weather patterns, occupancy rates, building attributes, and relevant elements to assist energy optimisation, waste reduction, and improved sustainability.</a:t>
+                <a:t>Building energy efficiency is shown as a critical component of sustainable development in the context of expanding global energy consumption and environmental concerns. Population growth puts a burden on energy supplies, highlighting the necessity for careful energy management. This requires precise estimations of building energy use. Algorithms for machine learning (ML) are useful tools for understanding complex energy trends and guiding data-driven decisions. Recent developments show ML's capability to forecast building energy consumption, enabling better energy planning and cost-effective solutions. These algorithms use historical energy data, weather patterns, occupancy rates, building attributes, and relevant elements to assist energy optimisation, waste reduction, and improved sustainability. The graphs below show the current and potential energy ratings of buildings from the selected dataset of buildings based in Leeds.</a:t>
               </a:r>
             </a:p>
           </p:txBody>
@@ -3750,9 +3751,9 @@
         <p:grpSpPr>
           <a:xfrm>
             <a:off x="457201" y="19471488"/>
-            <a:ext cx="10228210" cy="13221182"/>
+            <a:ext cx="10228210" cy="12994034"/>
             <a:chOff x="246123" y="29287046"/>
-            <a:chExt cx="10228210" cy="11773686"/>
+            <a:chExt cx="10228210" cy="11571406"/>
           </a:xfrm>
         </p:grpSpPr>
         <p:sp>
@@ -3829,7 +3830,7 @@
           </p:nvSpPr>
           <p:spPr>
             <a:xfrm>
-              <a:off x="835646" y="29848218"/>
+              <a:off x="835646" y="29342796"/>
               <a:ext cx="9092422" cy="561864"/>
             </a:xfrm>
             <a:prstGeom prst="rect">
@@ -3872,7 +3873,7 @@
           </p:nvSpPr>
           <p:spPr>
             <a:xfrm>
-              <a:off x="246123" y="30536053"/>
+              <a:off x="246123" y="29637527"/>
               <a:ext cx="10202836" cy="10524679"/>
             </a:xfrm>
             <a:prstGeom prst="rect">
@@ -4273,7 +4274,7 @@
           </p:nvSpPr>
           <p:spPr>
             <a:xfrm>
-              <a:off x="1245549" y="25046723"/>
+              <a:off x="1245549" y="24331965"/>
               <a:ext cx="9092422" cy="362215"/>
             </a:xfrm>
             <a:prstGeom prst="rect">
@@ -4316,8 +4317,387 @@
           </p:nvSpPr>
           <p:spPr>
             <a:xfrm>
-              <a:off x="1164169" y="25650325"/>
-              <a:ext cx="9173802" cy="1052468"/>
+              <a:off x="1164169" y="24621075"/>
+              <a:ext cx="9173802" cy="5927479"/>
+            </a:xfrm>
+            <a:prstGeom prst="rect">
+              <a:avLst/>
+            </a:prstGeom>
+          </p:spPr>
+          <p:txBody>
+            <a:bodyPr wrap="square" lIns="365760" tIns="365760" rIns="365760" bIns="365760">
+              <a:spAutoFit/>
+            </a:bodyPr>
+            <a:lstStyle>
+              <a:lvl1pPr marL="0" indent="0" algn="l" defTabSz="3291840" rtl="0" eaLnBrk="1" latinLnBrk="0" hangingPunct="1">
+                <a:lnSpc>
+                  <a:spcPct val="90000"/>
+                </a:lnSpc>
+                <a:spcBef>
+                  <a:spcPts val="3600"/>
+                </a:spcBef>
+                <a:buFont typeface="Arial" panose="020B0604020202020204" pitchFamily="34" charset="0"/>
+                <a:buNone/>
+                <a:tabLst/>
+                <a:defRPr lang="en-US" sz="3200" kern="1200" dirty="0">
+                  <a:solidFill>
+                    <a:schemeClr val="tx1"/>
+                  </a:solidFill>
+                  <a:latin typeface="+mn-lt"/>
+                  <a:ea typeface="+mn-ea"/>
+                  <a:cs typeface="+mn-cs"/>
+                </a:defRPr>
+              </a:lvl1pPr>
+              <a:lvl2pPr marL="461963" indent="-231775" algn="l" defTabSz="3291840" rtl="0" eaLnBrk="1" latinLnBrk="0" hangingPunct="1">
+                <a:lnSpc>
+                  <a:spcPct val="90000"/>
+                </a:lnSpc>
+                <a:spcBef>
+                  <a:spcPts val="1800"/>
+                </a:spcBef>
+                <a:buFont typeface="Arial" panose="020B0604020202020204" pitchFamily="34" charset="0"/>
+                <a:buChar char="•"/>
+                <a:tabLst/>
+                <a:defRPr lang="en-US" sz="2400" kern="1200" dirty="0">
+                  <a:solidFill>
+                    <a:schemeClr val="tx1"/>
+                  </a:solidFill>
+                  <a:latin typeface="+mn-lt"/>
+                  <a:ea typeface="+mn-ea"/>
+                  <a:cs typeface="+mn-cs"/>
+                </a:defRPr>
+              </a:lvl2pPr>
+              <a:lvl3pPr marL="461963" indent="-231775" algn="l" defTabSz="3291840" rtl="0" eaLnBrk="1" latinLnBrk="0" hangingPunct="1">
+                <a:lnSpc>
+                  <a:spcPct val="90000"/>
+                </a:lnSpc>
+                <a:spcBef>
+                  <a:spcPts val="1800"/>
+                </a:spcBef>
+                <a:buFont typeface="Arial" panose="020B0604020202020204" pitchFamily="34" charset="0"/>
+                <a:buChar char="•"/>
+                <a:tabLst/>
+                <a:defRPr lang="en-US" sz="1800" kern="1200" dirty="0">
+                  <a:solidFill>
+                    <a:schemeClr val="tx1"/>
+                  </a:solidFill>
+                  <a:latin typeface="+mn-lt"/>
+                  <a:ea typeface="+mn-ea"/>
+                  <a:cs typeface="+mn-cs"/>
+                </a:defRPr>
+              </a:lvl3pPr>
+              <a:lvl4pPr marL="461963" indent="-231775" algn="l" defTabSz="3291840" rtl="0" eaLnBrk="1" latinLnBrk="0" hangingPunct="1">
+                <a:lnSpc>
+                  <a:spcPct val="90000"/>
+                </a:lnSpc>
+                <a:spcBef>
+                  <a:spcPts val="1800"/>
+                </a:spcBef>
+                <a:buFont typeface="Arial" panose="020B0604020202020204" pitchFamily="34" charset="0"/>
+                <a:buChar char="•"/>
+                <a:tabLst/>
+                <a:defRPr lang="en-US" sz="1200" kern="1200" dirty="0">
+                  <a:solidFill>
+                    <a:schemeClr val="tx1"/>
+                  </a:solidFill>
+                  <a:latin typeface="+mn-lt"/>
+                  <a:ea typeface="+mn-ea"/>
+                  <a:cs typeface="+mn-cs"/>
+                </a:defRPr>
+              </a:lvl4pPr>
+              <a:lvl5pPr marL="461963" indent="-231775" algn="l" defTabSz="3291840" rtl="0" eaLnBrk="1" latinLnBrk="0" hangingPunct="1">
+                <a:lnSpc>
+                  <a:spcPct val="90000"/>
+                </a:lnSpc>
+                <a:spcBef>
+                  <a:spcPts val="1800"/>
+                </a:spcBef>
+                <a:buFont typeface="Arial" panose="020B0604020202020204" pitchFamily="34" charset="0"/>
+                <a:buChar char="•"/>
+                <a:tabLst/>
+                <a:defRPr lang="en-US" sz="1200" kern="1200" dirty="0">
+                  <a:solidFill>
+                    <a:schemeClr val="tx1"/>
+                  </a:solidFill>
+                  <a:latin typeface="+mn-lt"/>
+                  <a:ea typeface="+mn-ea"/>
+                  <a:cs typeface="+mn-cs"/>
+                </a:defRPr>
+              </a:lvl5pPr>
+              <a:lvl6pPr marL="9052560" indent="-822960" algn="l" defTabSz="3291840" rtl="0" eaLnBrk="1" latinLnBrk="0" hangingPunct="1">
+                <a:lnSpc>
+                  <a:spcPct val="90000"/>
+                </a:lnSpc>
+                <a:spcBef>
+                  <a:spcPts val="1800"/>
+                </a:spcBef>
+                <a:buFont typeface="Arial" panose="020B0604020202020204" pitchFamily="34" charset="0"/>
+                <a:buChar char="•"/>
+                <a:defRPr sz="6480" kern="1200">
+                  <a:solidFill>
+                    <a:schemeClr val="tx1"/>
+                  </a:solidFill>
+                  <a:latin typeface="+mn-lt"/>
+                  <a:ea typeface="+mn-ea"/>
+                  <a:cs typeface="+mn-cs"/>
+                </a:defRPr>
+              </a:lvl6pPr>
+              <a:lvl7pPr marL="10698480" indent="-822960" algn="l" defTabSz="3291840" rtl="0" eaLnBrk="1" latinLnBrk="0" hangingPunct="1">
+                <a:lnSpc>
+                  <a:spcPct val="90000"/>
+                </a:lnSpc>
+                <a:spcBef>
+                  <a:spcPts val="1800"/>
+                </a:spcBef>
+                <a:buFont typeface="Arial" panose="020B0604020202020204" pitchFamily="34" charset="0"/>
+                <a:buChar char="•"/>
+                <a:defRPr sz="6480" kern="1200">
+                  <a:solidFill>
+                    <a:schemeClr val="tx1"/>
+                  </a:solidFill>
+                  <a:latin typeface="+mn-lt"/>
+                  <a:ea typeface="+mn-ea"/>
+                  <a:cs typeface="+mn-cs"/>
+                </a:defRPr>
+              </a:lvl7pPr>
+              <a:lvl8pPr marL="12344400" indent="-822960" algn="l" defTabSz="3291840" rtl="0" eaLnBrk="1" latinLnBrk="0" hangingPunct="1">
+                <a:lnSpc>
+                  <a:spcPct val="90000"/>
+                </a:lnSpc>
+                <a:spcBef>
+                  <a:spcPts val="1800"/>
+                </a:spcBef>
+                <a:buFont typeface="Arial" panose="020B0604020202020204" pitchFamily="34" charset="0"/>
+                <a:buChar char="•"/>
+                <a:defRPr sz="6480" kern="1200">
+                  <a:solidFill>
+                    <a:schemeClr val="tx1"/>
+                  </a:solidFill>
+                  <a:latin typeface="+mn-lt"/>
+                  <a:ea typeface="+mn-ea"/>
+                  <a:cs typeface="+mn-cs"/>
+                </a:defRPr>
+              </a:lvl8pPr>
+              <a:lvl9pPr marL="13990320" indent="-822960" algn="l" defTabSz="3291840" rtl="0" eaLnBrk="1" latinLnBrk="0" hangingPunct="1">
+                <a:lnSpc>
+                  <a:spcPct val="90000"/>
+                </a:lnSpc>
+                <a:spcBef>
+                  <a:spcPts val="1800"/>
+                </a:spcBef>
+                <a:buFont typeface="Arial" panose="020B0604020202020204" pitchFamily="34" charset="0"/>
+                <a:buChar char="•"/>
+                <a:defRPr sz="6480" kern="1200">
+                  <a:solidFill>
+                    <a:schemeClr val="tx1"/>
+                  </a:solidFill>
+                  <a:latin typeface="+mn-lt"/>
+                  <a:ea typeface="+mn-ea"/>
+                  <a:cs typeface="+mn-cs"/>
+                </a:defRPr>
+              </a:lvl9pPr>
+            </a:lstStyle>
+            <a:p>
+              <a:r>
+                <a:rPr lang="en-GB" dirty="0" err="1"/>
+                <a:t>Gibert</a:t>
+              </a:r>
+              <a:r>
+                <a:rPr lang="en-GB" dirty="0"/>
+                <a:t>, K., </a:t>
+              </a:r>
+              <a:r>
+                <a:rPr lang="en-GB" dirty="0" err="1"/>
+                <a:t>Izquierdo</a:t>
+              </a:r>
+              <a:r>
+                <a:rPr lang="en-GB" dirty="0"/>
+                <a:t>, J., </a:t>
+              </a:r>
+              <a:r>
+                <a:rPr lang="en-GB" dirty="0" err="1"/>
+                <a:t>Sànchez-Marrè</a:t>
+              </a:r>
+              <a:r>
+                <a:rPr lang="en-GB" dirty="0"/>
+                <a:t>, M., Hamilton, S. H., Rodríguez-</a:t>
+              </a:r>
+              <a:r>
+                <a:rPr lang="en-GB" dirty="0" err="1"/>
+                <a:t>Roda</a:t>
+              </a:r>
+              <a:r>
+                <a:rPr lang="en-GB" dirty="0"/>
+                <a:t>, I. &amp; Holmes, G. (2018) Which Method to Use? An Assessment of Data Mining Methods in Environmental Data Science. Environmental Modelling &amp; Software, 110 December, pp. 3–27.</a:t>
+              </a:r>
+            </a:p>
+            <a:p>
+              <a:r>
+                <a:rPr lang="en-GB" dirty="0"/>
+                <a:t>Olu-Ajayi, R., </a:t>
+              </a:r>
+              <a:r>
+                <a:rPr lang="en-GB" dirty="0" err="1"/>
+                <a:t>Alaka</a:t>
+              </a:r>
+              <a:r>
+                <a:rPr lang="en-GB" dirty="0"/>
+                <a:t>, H., Sulaimon, I., </a:t>
+              </a:r>
+              <a:r>
+                <a:rPr lang="en-GB" dirty="0" err="1"/>
+                <a:t>Sunmola</a:t>
+              </a:r>
+              <a:r>
+                <a:rPr lang="en-GB" dirty="0"/>
+                <a:t>, F. &amp; Ajayi, S. (2022) Building Energy Consumption Prediction for Residential Buildings Using Deep Learning and Other Machine Learning Techniques. Journal of Building Engineering, 45 January, p. 103406.</a:t>
+              </a:r>
+            </a:p>
+            <a:p>
+              <a:endParaRPr lang="en-GB" dirty="0"/>
+            </a:p>
+          </p:txBody>
+        </p:sp>
+      </p:grpSp>
+      <p:grpSp>
+        <p:nvGrpSpPr>
+          <p:cNvPr id="53" name="Group 52">
+            <a:extLst>
+              <a:ext uri="{FF2B5EF4-FFF2-40B4-BE49-F238E27FC236}">
+                <a16:creationId xmlns:a16="http://schemas.microsoft.com/office/drawing/2014/main" id="{5F9C928B-6E3C-7B51-307C-7D5498546133}"/>
+              </a:ext>
+            </a:extLst>
+          </p:cNvPr>
+          <p:cNvGrpSpPr/>
+          <p:nvPr/>
+        </p:nvGrpSpPr>
+        <p:grpSpPr>
+          <a:xfrm>
+            <a:off x="11176596" y="4800877"/>
+            <a:ext cx="21364548" cy="14625798"/>
+            <a:chOff x="782627" y="24729299"/>
+            <a:chExt cx="9752740" cy="8466109"/>
+          </a:xfrm>
+        </p:grpSpPr>
+        <p:sp>
+          <p:nvSpPr>
+            <p:cNvPr id="54" name="Rounded Rectangle 12">
+              <a:extLst>
+                <a:ext uri="{FF2B5EF4-FFF2-40B4-BE49-F238E27FC236}">
+                  <a16:creationId xmlns:a16="http://schemas.microsoft.com/office/drawing/2014/main" id="{4A9ECBAA-8132-6D9B-0610-D905ADF42285}"/>
+                </a:ext>
+              </a:extLst>
+            </p:cNvPr>
+            <p:cNvSpPr/>
+            <p:nvPr/>
+          </p:nvSpPr>
+          <p:spPr>
+            <a:xfrm>
+              <a:off x="782627" y="24729299"/>
+              <a:ext cx="9752740" cy="7485834"/>
+            </a:xfrm>
+            <a:prstGeom prst="roundRect">
+              <a:avLst>
+                <a:gd name="adj" fmla="val 1610"/>
+              </a:avLst>
+            </a:prstGeom>
+            <a:solidFill>
+              <a:srgbClr val="753BBD">
+                <a:alpha val="5000"/>
+              </a:srgbClr>
+            </a:solidFill>
+            <a:ln w="3175">
+              <a:solidFill>
+                <a:srgbClr val="753BBD">
+                  <a:alpha val="50000"/>
+                </a:srgbClr>
+              </a:solidFill>
+            </a:ln>
+          </p:spPr>
+          <p:style>
+            <a:lnRef idx="2">
+              <a:schemeClr val="accent1">
+                <a:shade val="50000"/>
+              </a:schemeClr>
+            </a:lnRef>
+            <a:fillRef idx="1">
+              <a:schemeClr val="accent1"/>
+            </a:fillRef>
+            <a:effectRef idx="0">
+              <a:schemeClr val="accent1"/>
+            </a:effectRef>
+            <a:fontRef idx="minor">
+              <a:schemeClr val="lt1"/>
+            </a:fontRef>
+          </p:style>
+          <p:txBody>
+            <a:bodyPr rtlCol="0" anchor="ctr"/>
+            <a:lstStyle/>
+            <a:p>
+              <a:pPr algn="ctr"/>
+              <a:endParaRPr lang="en-US" sz="41933" dirty="0"/>
+            </a:p>
+          </p:txBody>
+        </p:sp>
+        <p:sp>
+          <p:nvSpPr>
+            <p:cNvPr id="55" name="TextBox 54">
+              <a:extLst>
+                <a:ext uri="{FF2B5EF4-FFF2-40B4-BE49-F238E27FC236}">
+                  <a16:creationId xmlns:a16="http://schemas.microsoft.com/office/drawing/2014/main" id="{D2516FA8-C9CB-B462-83B5-00148948E5A7}"/>
+                </a:ext>
+              </a:extLst>
+            </p:cNvPr>
+            <p:cNvSpPr txBox="1"/>
+            <p:nvPr/>
+          </p:nvSpPr>
+          <p:spPr>
+            <a:xfrm>
+              <a:off x="1245549" y="25046723"/>
+              <a:ext cx="9092422" cy="371137"/>
+            </a:xfrm>
+            <a:prstGeom prst="rect">
+              <a:avLst/>
+            </a:prstGeom>
+            <a:noFill/>
+          </p:spPr>
+          <p:txBody>
+            <a:bodyPr wrap="square" rtlCol="0">
+              <a:spAutoFit/>
+            </a:bodyPr>
+            <a:lstStyle/>
+            <a:p>
+              <a:pPr algn="ctr"/>
+              <a:r>
+                <a:rPr lang="en-GB" sz="3500" b="1" dirty="0">
+                  <a:solidFill>
+                    <a:srgbClr val="3B1D5F"/>
+                  </a:solidFill>
+                  <a:latin typeface="+mj-lt"/>
+                </a:rPr>
+                <a:t>METHODOLOGY</a:t>
+              </a:r>
+            </a:p>
+          </p:txBody>
+        </p:sp>
+        <p:sp>
+          <p:nvSpPr>
+            <p:cNvPr id="56" name="Text Placeholder 13">
+              <a:extLst>
+                <a:ext uri="{FF2B5EF4-FFF2-40B4-BE49-F238E27FC236}">
+                  <a16:creationId xmlns:a16="http://schemas.microsoft.com/office/drawing/2014/main" id="{A1ACCF9D-4171-5F53-1B92-8E653D8ED09E}"/>
+                </a:ext>
+              </a:extLst>
+            </p:cNvPr>
+            <p:cNvSpPr txBox="1">
+              <a:spLocks/>
+            </p:cNvSpPr>
+            <p:nvPr/>
+          </p:nvSpPr>
+          <p:spPr>
+            <a:xfrm>
+              <a:off x="820558" y="25285293"/>
+              <a:ext cx="4937020" cy="7910115"/>
             </a:xfrm>
             <a:prstGeom prst="rect">
               <a:avLst/>
@@ -4499,18 +4879,44 @@
             <a:p>
               <a:r>
                 <a:rPr lang="en-GB" dirty="0"/>
-                <a:t>Type in or paste your text here</a:t>
+                <a:t>This dissertation revolves around a methodology designed to facilitate a comprehensive comparative analysis of machine learning (ML) algorithms aimed at predicting building energy consumption. The methodology is intricately guided by the Cross-Industry Standard Process for Data Mining (CRISP-DM), which unfolds across six crucial stages.</a:t>
               </a:r>
+            </a:p>
+            <a:p>
+              <a:r>
+                <a:rPr lang="en-GB" dirty="0"/>
+                <a:t>To better understand systems and/or their processes, data mining (DM) refers to the process of looking for hidden patterns or relationships in data. These patterns could be used, for instance, to assess the degree of a relationship between variables or forecast future results (</a:t>
+              </a:r>
+              <a:r>
+                <a:rPr lang="en-GB" dirty="0" err="1"/>
+                <a:t>Gibert</a:t>
+              </a:r>
+              <a:r>
+                <a:rPr lang="en-GB" dirty="0"/>
+                <a:t> et al., 2018). </a:t>
+              </a:r>
+            </a:p>
+            <a:p>
+              <a:r>
+                <a:rPr lang="en-GB" dirty="0"/>
+                <a:t>The research is guided by the CRISP methodology, which entails six stages: business comprehension, data preparation, modelling, assessment, and implementation. Business objectives, data gathering, cleaning, training, and deployment in real-world contexts are all covered. The research design uses a comparative analysis methodology to systematically evaluate different machine learning (ML) algorithms in order to decide which approach is optimal for forecasting building energy use. This method demonstrates the benefits and drawbacks of several energy forecasting systems.</a:t>
+              </a:r>
+            </a:p>
+            <a:p>
+              <a:endParaRPr lang="en-GB" dirty="0"/>
+            </a:p>
+            <a:p>
+              <a:endParaRPr lang="en-GB" dirty="0"/>
             </a:p>
           </p:txBody>
         </p:sp>
       </p:grpSp>
       <p:grpSp>
         <p:nvGrpSpPr>
-          <p:cNvPr id="53" name="Group 52">
-            <a:extLst>
-              <a:ext uri="{FF2B5EF4-FFF2-40B4-BE49-F238E27FC236}">
-                <a16:creationId xmlns:a16="http://schemas.microsoft.com/office/drawing/2014/main" id="{5F9C928B-6E3C-7B51-307C-7D5498546133}"/>
+          <p:cNvPr id="57" name="Group 56">
+            <a:extLst>
+              <a:ext uri="{FF2B5EF4-FFF2-40B4-BE49-F238E27FC236}">
+                <a16:creationId xmlns:a16="http://schemas.microsoft.com/office/drawing/2014/main" id="{8089E607-126B-8DFC-95B4-E65A2D6CDC64}"/>
               </a:ext>
             </a:extLst>
           </p:cNvPr>
@@ -4519,18 +4925,18 @@
         </p:nvGrpSpPr>
         <p:grpSpPr>
           <a:xfrm>
-            <a:off x="11176596" y="4800877"/>
-            <a:ext cx="21364548" cy="12932304"/>
-            <a:chOff x="782627" y="24729299"/>
-            <a:chExt cx="9752740" cy="7485834"/>
+            <a:off x="11184563" y="18050723"/>
+            <a:ext cx="11424870" cy="15003122"/>
+            <a:chOff x="454471" y="24287763"/>
+            <a:chExt cx="10851858" cy="8524104"/>
           </a:xfrm>
         </p:grpSpPr>
         <p:sp>
           <p:nvSpPr>
-            <p:cNvPr id="54" name="Rounded Rectangle 12">
+            <p:cNvPr id="58" name="Rounded Rectangle 12">
               <a:extLst>
                 <a:ext uri="{FF2B5EF4-FFF2-40B4-BE49-F238E27FC236}">
-                  <a16:creationId xmlns:a16="http://schemas.microsoft.com/office/drawing/2014/main" id="{4A9ECBAA-8132-6D9B-0610-D905ADF42285}"/>
+                  <a16:creationId xmlns:a16="http://schemas.microsoft.com/office/drawing/2014/main" id="{274CE586-9E0D-5CFD-9DD4-8715A4F6ADF6}"/>
                 </a:ext>
               </a:extLst>
             </p:cNvPr>
@@ -4539,8 +4945,8 @@
           </p:nvSpPr>
           <p:spPr>
             <a:xfrm>
-              <a:off x="782627" y="24729299"/>
-              <a:ext cx="9752740" cy="7485834"/>
+              <a:off x="454471" y="24341512"/>
+              <a:ext cx="10851858" cy="8141845"/>
             </a:xfrm>
             <a:prstGeom prst="roundRect">
               <a:avLst>
@@ -4587,10 +4993,10 @@
         </p:sp>
         <p:sp>
           <p:nvSpPr>
-            <p:cNvPr id="55" name="TextBox 54">
+            <p:cNvPr id="59" name="TextBox 58">
               <a:extLst>
                 <a:ext uri="{FF2B5EF4-FFF2-40B4-BE49-F238E27FC236}">
-                  <a16:creationId xmlns:a16="http://schemas.microsoft.com/office/drawing/2014/main" id="{D2516FA8-C9CB-B462-83B5-00148948E5A7}"/>
+                  <a16:creationId xmlns:a16="http://schemas.microsoft.com/office/drawing/2014/main" id="{6BD41388-C188-80B8-1D2A-AAEE905762CD}"/>
                 </a:ext>
               </a:extLst>
             </p:cNvPr>
@@ -4599,8 +5005,8 @@
           </p:nvSpPr>
           <p:spPr>
             <a:xfrm>
-              <a:off x="1245549" y="25046723"/>
-              <a:ext cx="9092422" cy="371137"/>
+              <a:off x="1245549" y="24287763"/>
+              <a:ext cx="9092422" cy="362215"/>
             </a:xfrm>
             <a:prstGeom prst="rect">
               <a:avLst/>
@@ -4621,17 +5027,17 @@
                   </a:solidFill>
                   <a:latin typeface="+mj-lt"/>
                 </a:rPr>
-                <a:t>METHODOLOGY</a:t>
+                <a:t>LITERATURE REVIEW</a:t>
               </a:r>
             </a:p>
           </p:txBody>
         </p:sp>
         <p:sp>
           <p:nvSpPr>
-            <p:cNvPr id="56" name="Text Placeholder 13">
+            <p:cNvPr id="60" name="Text Placeholder 13">
               <a:extLst>
                 <a:ext uri="{FF2B5EF4-FFF2-40B4-BE49-F238E27FC236}">
-                  <a16:creationId xmlns:a16="http://schemas.microsoft.com/office/drawing/2014/main" id="{A1ACCF9D-4171-5F53-1B92-8E653D8ED09E}"/>
+                  <a16:creationId xmlns:a16="http://schemas.microsoft.com/office/drawing/2014/main" id="{EB12B93C-2E68-4663-C1FA-5D30A4CC6D47}"/>
                 </a:ext>
               </a:extLst>
             </p:cNvPr>
@@ -4642,8 +5048,8 @@
           </p:nvSpPr>
           <p:spPr>
             <a:xfrm>
-              <a:off x="1164169" y="25285293"/>
-              <a:ext cx="9173802" cy="4051262"/>
+              <a:off x="454471" y="24313433"/>
+              <a:ext cx="10851858" cy="8498434"/>
             </a:xfrm>
             <a:prstGeom prst="rect">
               <a:avLst/>
@@ -4825,363 +5231,19 @@
             <a:p>
               <a:r>
                 <a:rPr lang="en-GB" dirty="0"/>
-                <a:t>The research methodology for contrasting machine learning (ML) algorithms in building energy prediction is described in this chapter. It covers how to gather, pre-process, and prepare building energy consumption data as well as how to pick and set up ML algorithms for experimental evaluation.</a:t>
+                <a:t>Predicting building energy consumption has been the subject of extensive research due to the rising demand for sustainable and energy-efficient practices. Modern developments in machine learning (ML) algorithms have opened up new possibilities to improve the precision and accuracy of energy consumption predictions, assisting in efficiently managing and optimising energy resources in buildings.</a:t>
               </a:r>
             </a:p>
             <a:p>
               <a:r>
                 <a:rPr lang="en-GB" dirty="0"/>
-                <a:t>The research is guided by the CRISP methodology, which entails six stages: business comprehension, data preparation, modelling, assessment, and implementation. Business objectives, data gathering, cleaning, training, and deployment in real-world contexts are all covered. The research design uses a comparative analysis methodology to systematically evaluate different machine learning (ML) algorithms in order to decide which approach is optimal for forecasting building energy use. This method demonstrates the benefits and drawbacks of several energy forecasting systems.</a:t>
-              </a:r>
-            </a:p>
-            <a:p>
-              <a:endParaRPr lang="en-GB" dirty="0"/>
-            </a:p>
-            <a:p>
-              <a:endParaRPr lang="en-GB" dirty="0"/>
-            </a:p>
-          </p:txBody>
-        </p:sp>
-      </p:grpSp>
-      <p:grpSp>
-        <p:nvGrpSpPr>
-          <p:cNvPr id="57" name="Group 56">
-            <a:extLst>
-              <a:ext uri="{FF2B5EF4-FFF2-40B4-BE49-F238E27FC236}">
-                <a16:creationId xmlns:a16="http://schemas.microsoft.com/office/drawing/2014/main" id="{8089E607-126B-8DFC-95B4-E65A2D6CDC64}"/>
-              </a:ext>
-            </a:extLst>
-          </p:cNvPr>
-          <p:cNvGrpSpPr/>
-          <p:nvPr/>
-        </p:nvGrpSpPr>
-        <p:grpSpPr>
-          <a:xfrm>
-            <a:off x="11184563" y="18145328"/>
-            <a:ext cx="11424870" cy="15076910"/>
-            <a:chOff x="454471" y="24341512"/>
-            <a:chExt cx="10851858" cy="8566027"/>
-          </a:xfrm>
-        </p:grpSpPr>
-        <p:sp>
-          <p:nvSpPr>
-            <p:cNvPr id="58" name="Rounded Rectangle 12">
-              <a:extLst>
-                <a:ext uri="{FF2B5EF4-FFF2-40B4-BE49-F238E27FC236}">
-                  <a16:creationId xmlns:a16="http://schemas.microsoft.com/office/drawing/2014/main" id="{274CE586-9E0D-5CFD-9DD4-8715A4F6ADF6}"/>
-                </a:ext>
-              </a:extLst>
-            </p:cNvPr>
-            <p:cNvSpPr/>
-            <p:nvPr/>
-          </p:nvSpPr>
-          <p:spPr>
-            <a:xfrm>
-              <a:off x="454471" y="24341512"/>
-              <a:ext cx="10851858" cy="8141845"/>
-            </a:xfrm>
-            <a:prstGeom prst="roundRect">
-              <a:avLst>
-                <a:gd name="adj" fmla="val 1610"/>
-              </a:avLst>
-            </a:prstGeom>
-            <a:solidFill>
-              <a:srgbClr val="753BBD">
-                <a:alpha val="5000"/>
-              </a:srgbClr>
-            </a:solidFill>
-            <a:ln w="3175">
-              <a:solidFill>
-                <a:srgbClr val="753BBD">
-                  <a:alpha val="50000"/>
-                </a:srgbClr>
-              </a:solidFill>
-            </a:ln>
-          </p:spPr>
-          <p:style>
-            <a:lnRef idx="2">
-              <a:schemeClr val="accent1">
-                <a:shade val="50000"/>
-              </a:schemeClr>
-            </a:lnRef>
-            <a:fillRef idx="1">
-              <a:schemeClr val="accent1"/>
-            </a:fillRef>
-            <a:effectRef idx="0">
-              <a:schemeClr val="accent1"/>
-            </a:effectRef>
-            <a:fontRef idx="minor">
-              <a:schemeClr val="lt1"/>
-            </a:fontRef>
-          </p:style>
-          <p:txBody>
-            <a:bodyPr rtlCol="0" anchor="ctr"/>
-            <a:lstStyle/>
-            <a:p>
-              <a:pPr algn="ctr"/>
-              <a:endParaRPr lang="en-US" sz="41933" dirty="0"/>
-            </a:p>
-          </p:txBody>
-        </p:sp>
-        <p:sp>
-          <p:nvSpPr>
-            <p:cNvPr id="59" name="TextBox 58">
-              <a:extLst>
-                <a:ext uri="{FF2B5EF4-FFF2-40B4-BE49-F238E27FC236}">
-                  <a16:creationId xmlns:a16="http://schemas.microsoft.com/office/drawing/2014/main" id="{6BD41388-C188-80B8-1D2A-AAEE905762CD}"/>
-                </a:ext>
-              </a:extLst>
-            </p:cNvPr>
-            <p:cNvSpPr txBox="1"/>
-            <p:nvPr/>
-          </p:nvSpPr>
-          <p:spPr>
-            <a:xfrm>
-              <a:off x="1245549" y="24413165"/>
-              <a:ext cx="9092422" cy="362215"/>
-            </a:xfrm>
-            <a:prstGeom prst="rect">
-              <a:avLst/>
-            </a:prstGeom>
-            <a:noFill/>
-          </p:spPr>
-          <p:txBody>
-            <a:bodyPr wrap="square" rtlCol="0">
-              <a:spAutoFit/>
-            </a:bodyPr>
-            <a:lstStyle/>
-            <a:p>
-              <a:pPr algn="ctr"/>
-              <a:r>
-                <a:rPr lang="en-GB" sz="3500" b="1" dirty="0">
-                  <a:solidFill>
-                    <a:srgbClr val="3B1D5F"/>
-                  </a:solidFill>
-                  <a:latin typeface="+mj-lt"/>
-                </a:rPr>
-                <a:t>LITERATURE REVIEW</a:t>
-              </a:r>
-            </a:p>
-          </p:txBody>
-        </p:sp>
-        <p:sp>
-          <p:nvSpPr>
-            <p:cNvPr id="60" name="Text Placeholder 13">
-              <a:extLst>
-                <a:ext uri="{FF2B5EF4-FFF2-40B4-BE49-F238E27FC236}">
-                  <a16:creationId xmlns:a16="http://schemas.microsoft.com/office/drawing/2014/main" id="{EB12B93C-2E68-4663-C1FA-5D30A4CC6D47}"/>
-                </a:ext>
-              </a:extLst>
-            </p:cNvPr>
-            <p:cNvSpPr txBox="1">
-              <a:spLocks/>
-            </p:cNvSpPr>
-            <p:nvPr/>
-          </p:nvSpPr>
-          <p:spPr>
-            <a:xfrm>
-              <a:off x="454471" y="24564234"/>
-              <a:ext cx="10851858" cy="8343305"/>
-            </a:xfrm>
-            <a:prstGeom prst="rect">
-              <a:avLst/>
-            </a:prstGeom>
-          </p:spPr>
-          <p:txBody>
-            <a:bodyPr wrap="square" lIns="365760" tIns="365760" rIns="365760" bIns="365760">
-              <a:spAutoFit/>
-            </a:bodyPr>
-            <a:lstStyle>
-              <a:lvl1pPr marL="0" indent="0" algn="l" defTabSz="3291840" rtl="0" eaLnBrk="1" latinLnBrk="0" hangingPunct="1">
-                <a:lnSpc>
-                  <a:spcPct val="90000"/>
-                </a:lnSpc>
-                <a:spcBef>
-                  <a:spcPts val="3600"/>
-                </a:spcBef>
-                <a:buFont typeface="Arial" panose="020B0604020202020204" pitchFamily="34" charset="0"/>
-                <a:buNone/>
-                <a:tabLst/>
-                <a:defRPr lang="en-US" sz="3200" kern="1200" dirty="0">
-                  <a:solidFill>
-                    <a:schemeClr val="tx1"/>
-                  </a:solidFill>
-                  <a:latin typeface="+mn-lt"/>
-                  <a:ea typeface="+mn-ea"/>
-                  <a:cs typeface="+mn-cs"/>
-                </a:defRPr>
-              </a:lvl1pPr>
-              <a:lvl2pPr marL="461963" indent="-231775" algn="l" defTabSz="3291840" rtl="0" eaLnBrk="1" latinLnBrk="0" hangingPunct="1">
-                <a:lnSpc>
-                  <a:spcPct val="90000"/>
-                </a:lnSpc>
-                <a:spcBef>
-                  <a:spcPts val="1800"/>
-                </a:spcBef>
-                <a:buFont typeface="Arial" panose="020B0604020202020204" pitchFamily="34" charset="0"/>
-                <a:buChar char="•"/>
-                <a:tabLst/>
-                <a:defRPr lang="en-US" sz="2400" kern="1200" dirty="0">
-                  <a:solidFill>
-                    <a:schemeClr val="tx1"/>
-                  </a:solidFill>
-                  <a:latin typeface="+mn-lt"/>
-                  <a:ea typeface="+mn-ea"/>
-                  <a:cs typeface="+mn-cs"/>
-                </a:defRPr>
-              </a:lvl2pPr>
-              <a:lvl3pPr marL="461963" indent="-231775" algn="l" defTabSz="3291840" rtl="0" eaLnBrk="1" latinLnBrk="0" hangingPunct="1">
-                <a:lnSpc>
-                  <a:spcPct val="90000"/>
-                </a:lnSpc>
-                <a:spcBef>
-                  <a:spcPts val="1800"/>
-                </a:spcBef>
-                <a:buFont typeface="Arial" panose="020B0604020202020204" pitchFamily="34" charset="0"/>
-                <a:buChar char="•"/>
-                <a:tabLst/>
-                <a:defRPr lang="en-US" sz="1800" kern="1200" dirty="0">
-                  <a:solidFill>
-                    <a:schemeClr val="tx1"/>
-                  </a:solidFill>
-                  <a:latin typeface="+mn-lt"/>
-                  <a:ea typeface="+mn-ea"/>
-                  <a:cs typeface="+mn-cs"/>
-                </a:defRPr>
-              </a:lvl3pPr>
-              <a:lvl4pPr marL="461963" indent="-231775" algn="l" defTabSz="3291840" rtl="0" eaLnBrk="1" latinLnBrk="0" hangingPunct="1">
-                <a:lnSpc>
-                  <a:spcPct val="90000"/>
-                </a:lnSpc>
-                <a:spcBef>
-                  <a:spcPts val="1800"/>
-                </a:spcBef>
-                <a:buFont typeface="Arial" panose="020B0604020202020204" pitchFamily="34" charset="0"/>
-                <a:buChar char="•"/>
-                <a:tabLst/>
-                <a:defRPr lang="en-US" sz="1200" kern="1200" dirty="0">
-                  <a:solidFill>
-                    <a:schemeClr val="tx1"/>
-                  </a:solidFill>
-                  <a:latin typeface="+mn-lt"/>
-                  <a:ea typeface="+mn-ea"/>
-                  <a:cs typeface="+mn-cs"/>
-                </a:defRPr>
-              </a:lvl4pPr>
-              <a:lvl5pPr marL="461963" indent="-231775" algn="l" defTabSz="3291840" rtl="0" eaLnBrk="1" latinLnBrk="0" hangingPunct="1">
-                <a:lnSpc>
-                  <a:spcPct val="90000"/>
-                </a:lnSpc>
-                <a:spcBef>
-                  <a:spcPts val="1800"/>
-                </a:spcBef>
-                <a:buFont typeface="Arial" panose="020B0604020202020204" pitchFamily="34" charset="0"/>
-                <a:buChar char="•"/>
-                <a:tabLst/>
-                <a:defRPr lang="en-US" sz="1200" kern="1200" dirty="0">
-                  <a:solidFill>
-                    <a:schemeClr val="tx1"/>
-                  </a:solidFill>
-                  <a:latin typeface="+mn-lt"/>
-                  <a:ea typeface="+mn-ea"/>
-                  <a:cs typeface="+mn-cs"/>
-                </a:defRPr>
-              </a:lvl5pPr>
-              <a:lvl6pPr marL="9052560" indent="-822960" algn="l" defTabSz="3291840" rtl="0" eaLnBrk="1" latinLnBrk="0" hangingPunct="1">
-                <a:lnSpc>
-                  <a:spcPct val="90000"/>
-                </a:lnSpc>
-                <a:spcBef>
-                  <a:spcPts val="1800"/>
-                </a:spcBef>
-                <a:buFont typeface="Arial" panose="020B0604020202020204" pitchFamily="34" charset="0"/>
-                <a:buChar char="•"/>
-                <a:defRPr sz="6480" kern="1200">
-                  <a:solidFill>
-                    <a:schemeClr val="tx1"/>
-                  </a:solidFill>
-                  <a:latin typeface="+mn-lt"/>
-                  <a:ea typeface="+mn-ea"/>
-                  <a:cs typeface="+mn-cs"/>
-                </a:defRPr>
-              </a:lvl6pPr>
-              <a:lvl7pPr marL="10698480" indent="-822960" algn="l" defTabSz="3291840" rtl="0" eaLnBrk="1" latinLnBrk="0" hangingPunct="1">
-                <a:lnSpc>
-                  <a:spcPct val="90000"/>
-                </a:lnSpc>
-                <a:spcBef>
-                  <a:spcPts val="1800"/>
-                </a:spcBef>
-                <a:buFont typeface="Arial" panose="020B0604020202020204" pitchFamily="34" charset="0"/>
-                <a:buChar char="•"/>
-                <a:defRPr sz="6480" kern="1200">
-                  <a:solidFill>
-                    <a:schemeClr val="tx1"/>
-                  </a:solidFill>
-                  <a:latin typeface="+mn-lt"/>
-                  <a:ea typeface="+mn-ea"/>
-                  <a:cs typeface="+mn-cs"/>
-                </a:defRPr>
-              </a:lvl7pPr>
-              <a:lvl8pPr marL="12344400" indent="-822960" algn="l" defTabSz="3291840" rtl="0" eaLnBrk="1" latinLnBrk="0" hangingPunct="1">
-                <a:lnSpc>
-                  <a:spcPct val="90000"/>
-                </a:lnSpc>
-                <a:spcBef>
-                  <a:spcPts val="1800"/>
-                </a:spcBef>
-                <a:buFont typeface="Arial" panose="020B0604020202020204" pitchFamily="34" charset="0"/>
-                <a:buChar char="•"/>
-                <a:defRPr sz="6480" kern="1200">
-                  <a:solidFill>
-                    <a:schemeClr val="tx1"/>
-                  </a:solidFill>
-                  <a:latin typeface="+mn-lt"/>
-                  <a:ea typeface="+mn-ea"/>
-                  <a:cs typeface="+mn-cs"/>
-                </a:defRPr>
-              </a:lvl8pPr>
-              <a:lvl9pPr marL="13990320" indent="-822960" algn="l" defTabSz="3291840" rtl="0" eaLnBrk="1" latinLnBrk="0" hangingPunct="1">
-                <a:lnSpc>
-                  <a:spcPct val="90000"/>
-                </a:lnSpc>
-                <a:spcBef>
-                  <a:spcPts val="1800"/>
-                </a:spcBef>
-                <a:buFont typeface="Arial" panose="020B0604020202020204" pitchFamily="34" charset="0"/>
-                <a:buChar char="•"/>
-                <a:defRPr sz="6480" kern="1200">
-                  <a:solidFill>
-                    <a:schemeClr val="tx1"/>
-                  </a:solidFill>
-                  <a:latin typeface="+mn-lt"/>
-                  <a:ea typeface="+mn-ea"/>
-                  <a:cs typeface="+mn-cs"/>
-                </a:defRPr>
-              </a:lvl9pPr>
-            </a:lstStyle>
-            <a:p>
-              <a:r>
-                <a:rPr lang="en-GB" dirty="0"/>
-                <a:t>In-depth research on machine learning methods for forecasting building energy demand is examined in this chapter. It examines the methods and algorithms used in earlier investigations, pointing out their advantages and disadvantages. The chapter's goal is to be thoroughly aware of the most recent developments in this field.</a:t>
+                <a:t>In "Building energy consumption prediction for residential buildings using deep learning and other machine learning techniques" (Olu-Ajayi et al., 2022), they employed various ML techniques, including Artificial Neural Network (ANN), Gradient Boosting (GB), Deep Neural Network (DNN), Random Forest (RF), Stacking, K Nearest Neighbour (KNN), Support Vector Machine (SVM), Decision tree (DT), and Linear Regression (LR), to predict annual building energy consumption using a large dataset of residential buildings. The study also examined how building clusters influence the performance of these models. The novelty lies in developing a model that allows designers to input key building design features and predict annual energy consumption during early development stages.</a:t>
               </a:r>
             </a:p>
             <a:p>
               <a:r>
                 <a:rPr lang="en-GB" dirty="0"/>
-                <a:t>Building energy forecasting is essential for modern infrastructure management to optimise energy use, cut costs, and support sustainability. Machine learning has transformed building energy management, which allows systems to forecast energy usage based on data rather than explicit programming.</a:t>
-              </a:r>
-            </a:p>
-            <a:p>
-              <a:r>
-                <a:rPr lang="en-GB" dirty="0"/>
-                <a:t>Building energy prediction has been done using various machine-learning techniques, such as neural networks, support vector machines, random forests, decision trees, and linear regression. Each model has unique benefits and drawbacks, and how well it performs is influenced by things like the accessibility of data, the difficulty of the prediction task, and the available computing power.</a:t>
-              </a:r>
-            </a:p>
-            <a:p>
-              <a:r>
-                <a:rPr lang="en-GB" dirty="0"/>
-                <a:t>Recent studies comparing machine learning algorithms for building energy prediction are analysed in the literature review. It displays their evaluation standards, datasets, and procedures. Predictive modelling for US commercial building energy use and the application of machine learning to forecast building energy efficiency in cities are notable studies. This chapter highlights the value of machine learning in maximising energy use. It advances both machine learning and energy management research.</a:t>
+                <a:t>As a result of the urgent demand for sustainable and energy-efficient practices, it is vital to forecast building energy use, which has sparked substantial research efforts. Utilising improvements in machine learning (ML) techniques, this study area has made significant strides, providing ways to improve the precision and accuracy of estimates of energy usage. These contemporary methods, also used in this dissertation, have become potent tools for managing and optimising energy resources within buildings, advancing the objectives of environmental protection and effective energy use.</a:t>
               </a:r>
             </a:p>
           </p:txBody>
@@ -5281,7 +5343,7 @@
           </p:nvSpPr>
           <p:spPr>
             <a:xfrm>
-              <a:off x="1245549" y="25046723"/>
+              <a:off x="1245549" y="24781523"/>
               <a:ext cx="9092422" cy="371137"/>
             </a:xfrm>
             <a:prstGeom prst="rect">
@@ -5324,8 +5386,8 @@
           </p:nvSpPr>
           <p:spPr>
             <a:xfrm>
-              <a:off x="989338" y="25650325"/>
-              <a:ext cx="10464075" cy="4106041"/>
+              <a:off x="989338" y="24907773"/>
+              <a:ext cx="10464075" cy="2935457"/>
             </a:xfrm>
             <a:prstGeom prst="rect">
               <a:avLst/>
@@ -5513,7 +5575,7 @@
             <a:p>
               <a:r>
                 <a:rPr lang="en-GB" dirty="0"/>
-                <a:t>The RMSE and MAE values for the Gradient Boosting, Decision Tree, Random Forest, and Linear Regression models are shown in Table 4. These numbers provide a comparison of the model's effectiveness:</a:t>
+                <a:t>The RMSE and MAE values for the Gradient Boosting, Decision Tree, Random Forest, and Linear Regression models are shown in graphs below. These numbers provide a comparison of the model's effectiveness:</a:t>
               </a:r>
             </a:p>
             <a:p>
@@ -5616,7 +5678,7 @@
           </p:nvSpPr>
           <p:spPr>
             <a:xfrm>
-              <a:off x="1245549" y="25046723"/>
+              <a:off x="1245549" y="24286458"/>
               <a:ext cx="9092422" cy="362215"/>
             </a:xfrm>
             <a:prstGeom prst="rect">
@@ -5659,8 +5721,8 @@
           </p:nvSpPr>
           <p:spPr>
             <a:xfrm>
-              <a:off x="1164169" y="25650325"/>
-              <a:ext cx="9173802" cy="1052468"/>
+              <a:off x="1164169" y="24491825"/>
+              <a:ext cx="9173802" cy="7558801"/>
             </a:xfrm>
             <a:prstGeom prst="rect">
               <a:avLst/>
@@ -5842,7 +5904,13 @@
             <a:p>
               <a:r>
                 <a:rPr lang="en-GB" dirty="0"/>
-                <a:t>Type in or paste your text here</a:t>
+                <a:t>This dissertation study thoroughly examined the performance of decision trees, linear regression, random forest, and gradient-boosting algorithms in predicting building energy use. Through careful analysis, it became clear that the random forest method excelled over the competition, continuously displaying reduced Mean Absolute Error (MAE) and Root Mean Square Error (RMSE) values. Its capacity to efficiently capture complex data linkages can be credited with this higher predicted accuracy. The study, however, also emphasised the contextual element of algorithm selection, highlighting that the unique properties of buildings and datasets play a crucial role in determining algorithm performance.</a:t>
+              </a:r>
+            </a:p>
+            <a:p>
+              <a:r>
+                <a:rPr lang="en-GB" dirty="0"/>
+                <a:t>The results of this study provide helpful information for both practitioners and academics working on energy-efficient building management. Stakeholders can make well-informed choices that result in more precise projections of energy usage by realising the dominance of the random forest algorithm and the significance of adapting options to the particular aspects of each situation. This study improves our knowledge of machine learning related to energy forecasting. Enhancing building energy management techniques opens the path for a cleaner future.</a:t>
               </a:r>
             </a:p>
           </p:txBody>
@@ -7115,8 +7183,8 @@
         </p:blipFill>
         <p:spPr>
           <a:xfrm>
-            <a:off x="34636034" y="13136778"/>
-            <a:ext cx="7227099" cy="4522920"/>
+            <a:off x="34271158" y="11647307"/>
+            <a:ext cx="7718820" cy="4830652"/>
           </a:xfrm>
           <a:prstGeom prst="rect">
             <a:avLst/>
@@ -7151,8 +7219,8 @@
         </p:blipFill>
         <p:spPr>
           <a:xfrm>
-            <a:off x="17720850" y="11088379"/>
-            <a:ext cx="8053494" cy="6587758"/>
+            <a:off x="22922054" y="5872674"/>
+            <a:ext cx="8698458" cy="7115339"/>
           </a:xfrm>
           <a:prstGeom prst="rect">
             <a:avLst/>
@@ -7195,10 +7263,424 @@
           </a:prstGeom>
         </p:spPr>
       </p:pic>
+      <p:pic>
+        <p:nvPicPr>
+          <p:cNvPr id="12" name="Picture 11" descr="A graph of blue rectangular bars&#10;&#10;Description automatically generated">
+            <a:extLst>
+              <a:ext uri="{FF2B5EF4-FFF2-40B4-BE49-F238E27FC236}">
+                <a16:creationId xmlns:a16="http://schemas.microsoft.com/office/drawing/2014/main" id="{F69B7AA0-6E74-E0EA-24AE-E4E8A3F40590}"/>
+              </a:ext>
+            </a:extLst>
+          </p:cNvPr>
+          <p:cNvPicPr>
+            <a:picLocks noChangeAspect="1"/>
+          </p:cNvPicPr>
+          <p:nvPr/>
+        </p:nvPicPr>
+        <p:blipFill>
+          <a:blip r:embed="rId6">
+            <a:extLst>
+              <a:ext uri="{28A0092B-C50C-407E-A947-70E740481C1C}">
+                <a14:useLocalDpi xmlns:a14="http://schemas.microsoft.com/office/drawing/2010/main" val="0"/>
+              </a:ext>
+            </a:extLst>
+          </a:blip>
+          <a:stretch>
+            <a:fillRect/>
+          </a:stretch>
+        </p:blipFill>
+        <p:spPr>
+          <a:xfrm>
+            <a:off x="34271158" y="17360827"/>
+            <a:ext cx="7772400" cy="4800600"/>
+          </a:xfrm>
+          <a:prstGeom prst="rect">
+            <a:avLst/>
+          </a:prstGeom>
+        </p:spPr>
+      </p:pic>
+      <p:sp>
+        <p:nvSpPr>
+          <p:cNvPr id="13" name="Text Placeholder 13">
+            <a:extLst>
+              <a:ext uri="{FF2B5EF4-FFF2-40B4-BE49-F238E27FC236}">
+                <a16:creationId xmlns:a16="http://schemas.microsoft.com/office/drawing/2014/main" id="{5C6E0653-8790-5246-3420-AE191BBC3061}"/>
+              </a:ext>
+            </a:extLst>
+          </p:cNvPr>
+          <p:cNvSpPr txBox="1">
+            <a:spLocks/>
+          </p:cNvSpPr>
+          <p:nvPr/>
+        </p:nvSpPr>
+        <p:spPr>
+          <a:xfrm>
+            <a:off x="22239346" y="12870945"/>
+            <a:ext cx="10356639" cy="4302716"/>
+          </a:xfrm>
+          <a:prstGeom prst="rect">
+            <a:avLst/>
+          </a:prstGeom>
+        </p:spPr>
+        <p:txBody>
+          <a:bodyPr wrap="square" lIns="365760" tIns="365760" rIns="365760" bIns="365760">
+            <a:spAutoFit/>
+          </a:bodyPr>
+          <a:lstStyle>
+            <a:lvl1pPr marL="0" indent="0" algn="l" defTabSz="3291840" rtl="0" eaLnBrk="1" latinLnBrk="0" hangingPunct="1">
+              <a:lnSpc>
+                <a:spcPct val="90000"/>
+              </a:lnSpc>
+              <a:spcBef>
+                <a:spcPts val="3600"/>
+              </a:spcBef>
+              <a:buFont typeface="Arial" panose="020B0604020202020204" pitchFamily="34" charset="0"/>
+              <a:buNone/>
+              <a:tabLst/>
+              <a:defRPr lang="en-US" sz="3200" kern="1200" dirty="0">
+                <a:solidFill>
+                  <a:schemeClr val="tx1"/>
+                </a:solidFill>
+                <a:latin typeface="+mn-lt"/>
+                <a:ea typeface="+mn-ea"/>
+                <a:cs typeface="+mn-cs"/>
+              </a:defRPr>
+            </a:lvl1pPr>
+            <a:lvl2pPr marL="461963" indent="-231775" algn="l" defTabSz="3291840" rtl="0" eaLnBrk="1" latinLnBrk="0" hangingPunct="1">
+              <a:lnSpc>
+                <a:spcPct val="90000"/>
+              </a:lnSpc>
+              <a:spcBef>
+                <a:spcPts val="1800"/>
+              </a:spcBef>
+              <a:buFont typeface="Arial" panose="020B0604020202020204" pitchFamily="34" charset="0"/>
+              <a:buChar char="•"/>
+              <a:tabLst/>
+              <a:defRPr lang="en-US" sz="2400" kern="1200" dirty="0">
+                <a:solidFill>
+                  <a:schemeClr val="tx1"/>
+                </a:solidFill>
+                <a:latin typeface="+mn-lt"/>
+                <a:ea typeface="+mn-ea"/>
+                <a:cs typeface="+mn-cs"/>
+              </a:defRPr>
+            </a:lvl2pPr>
+            <a:lvl3pPr marL="461963" indent="-231775" algn="l" defTabSz="3291840" rtl="0" eaLnBrk="1" latinLnBrk="0" hangingPunct="1">
+              <a:lnSpc>
+                <a:spcPct val="90000"/>
+              </a:lnSpc>
+              <a:spcBef>
+                <a:spcPts val="1800"/>
+              </a:spcBef>
+              <a:buFont typeface="Arial" panose="020B0604020202020204" pitchFamily="34" charset="0"/>
+              <a:buChar char="•"/>
+              <a:tabLst/>
+              <a:defRPr lang="en-US" sz="1800" kern="1200" dirty="0">
+                <a:solidFill>
+                  <a:schemeClr val="tx1"/>
+                </a:solidFill>
+                <a:latin typeface="+mn-lt"/>
+                <a:ea typeface="+mn-ea"/>
+                <a:cs typeface="+mn-cs"/>
+              </a:defRPr>
+            </a:lvl3pPr>
+            <a:lvl4pPr marL="461963" indent="-231775" algn="l" defTabSz="3291840" rtl="0" eaLnBrk="1" latinLnBrk="0" hangingPunct="1">
+              <a:lnSpc>
+                <a:spcPct val="90000"/>
+              </a:lnSpc>
+              <a:spcBef>
+                <a:spcPts val="1800"/>
+              </a:spcBef>
+              <a:buFont typeface="Arial" panose="020B0604020202020204" pitchFamily="34" charset="0"/>
+              <a:buChar char="•"/>
+              <a:tabLst/>
+              <a:defRPr lang="en-US" sz="1200" kern="1200" dirty="0">
+                <a:solidFill>
+                  <a:schemeClr val="tx1"/>
+                </a:solidFill>
+                <a:latin typeface="+mn-lt"/>
+                <a:ea typeface="+mn-ea"/>
+                <a:cs typeface="+mn-cs"/>
+              </a:defRPr>
+            </a:lvl4pPr>
+            <a:lvl5pPr marL="461963" indent="-231775" algn="l" defTabSz="3291840" rtl="0" eaLnBrk="1" latinLnBrk="0" hangingPunct="1">
+              <a:lnSpc>
+                <a:spcPct val="90000"/>
+              </a:lnSpc>
+              <a:spcBef>
+                <a:spcPts val="1800"/>
+              </a:spcBef>
+              <a:buFont typeface="Arial" panose="020B0604020202020204" pitchFamily="34" charset="0"/>
+              <a:buChar char="•"/>
+              <a:tabLst/>
+              <a:defRPr lang="en-US" sz="1200" kern="1200" dirty="0">
+                <a:solidFill>
+                  <a:schemeClr val="tx1"/>
+                </a:solidFill>
+                <a:latin typeface="+mn-lt"/>
+                <a:ea typeface="+mn-ea"/>
+                <a:cs typeface="+mn-cs"/>
+              </a:defRPr>
+            </a:lvl5pPr>
+            <a:lvl6pPr marL="9052560" indent="-822960" algn="l" defTabSz="3291840" rtl="0" eaLnBrk="1" latinLnBrk="0" hangingPunct="1">
+              <a:lnSpc>
+                <a:spcPct val="90000"/>
+              </a:lnSpc>
+              <a:spcBef>
+                <a:spcPts val="1800"/>
+              </a:spcBef>
+              <a:buFont typeface="Arial" panose="020B0604020202020204" pitchFamily="34" charset="0"/>
+              <a:buChar char="•"/>
+              <a:defRPr sz="6480" kern="1200">
+                <a:solidFill>
+                  <a:schemeClr val="tx1"/>
+                </a:solidFill>
+                <a:latin typeface="+mn-lt"/>
+                <a:ea typeface="+mn-ea"/>
+                <a:cs typeface="+mn-cs"/>
+              </a:defRPr>
+            </a:lvl6pPr>
+            <a:lvl7pPr marL="10698480" indent="-822960" algn="l" defTabSz="3291840" rtl="0" eaLnBrk="1" latinLnBrk="0" hangingPunct="1">
+              <a:lnSpc>
+                <a:spcPct val="90000"/>
+              </a:lnSpc>
+              <a:spcBef>
+                <a:spcPts val="1800"/>
+              </a:spcBef>
+              <a:buFont typeface="Arial" panose="020B0604020202020204" pitchFamily="34" charset="0"/>
+              <a:buChar char="•"/>
+              <a:defRPr sz="6480" kern="1200">
+                <a:solidFill>
+                  <a:schemeClr val="tx1"/>
+                </a:solidFill>
+                <a:latin typeface="+mn-lt"/>
+                <a:ea typeface="+mn-ea"/>
+                <a:cs typeface="+mn-cs"/>
+              </a:defRPr>
+            </a:lvl7pPr>
+            <a:lvl8pPr marL="12344400" indent="-822960" algn="l" defTabSz="3291840" rtl="0" eaLnBrk="1" latinLnBrk="0" hangingPunct="1">
+              <a:lnSpc>
+                <a:spcPct val="90000"/>
+              </a:lnSpc>
+              <a:spcBef>
+                <a:spcPts val="1800"/>
+              </a:spcBef>
+              <a:buFont typeface="Arial" panose="020B0604020202020204" pitchFamily="34" charset="0"/>
+              <a:buChar char="•"/>
+              <a:defRPr sz="6480" kern="1200">
+                <a:solidFill>
+                  <a:schemeClr val="tx1"/>
+                </a:solidFill>
+                <a:latin typeface="+mn-lt"/>
+                <a:ea typeface="+mn-ea"/>
+                <a:cs typeface="+mn-cs"/>
+              </a:defRPr>
+            </a:lvl8pPr>
+            <a:lvl9pPr marL="13990320" indent="-822960" algn="l" defTabSz="3291840" rtl="0" eaLnBrk="1" latinLnBrk="0" hangingPunct="1">
+              <a:lnSpc>
+                <a:spcPct val="90000"/>
+              </a:lnSpc>
+              <a:spcBef>
+                <a:spcPts val="1800"/>
+              </a:spcBef>
+              <a:buFont typeface="Arial" panose="020B0604020202020204" pitchFamily="34" charset="0"/>
+              <a:buChar char="•"/>
+              <a:defRPr sz="6480" kern="1200">
+                <a:solidFill>
+                  <a:schemeClr val="tx1"/>
+                </a:solidFill>
+                <a:latin typeface="+mn-lt"/>
+                <a:ea typeface="+mn-ea"/>
+                <a:cs typeface="+mn-cs"/>
+              </a:defRPr>
+            </a:lvl9pPr>
+          </a:lstStyle>
+          <a:p>
+            <a:r>
+              <a:rPr lang="en-GB" dirty="0"/>
+              <a:t>The figure above shows the flow of the processes and their relationships. Using it as a guide enabled the successful implementation of the various techniques employed by the methodology to develop robust models, which allowed a proper comparison of their performance based on the metrics applied.</a:t>
+            </a:r>
+          </a:p>
+          <a:p>
+            <a:endParaRPr lang="en-GB" dirty="0"/>
+          </a:p>
+        </p:txBody>
+      </p:sp>
     </p:spTree>
     <p:extLst>
       <p:ext uri="{BB962C8B-B14F-4D97-AF65-F5344CB8AC3E}">
         <p14:creationId xmlns:p14="http://schemas.microsoft.com/office/powerpoint/2010/main" val="3889270800"/>
+      </p:ext>
+    </p:extLst>
+  </p:cSld>
+  <p:clrMapOvr>
+    <a:masterClrMapping/>
+  </p:clrMapOvr>
+</p:sld>
+</file>
+
+<file path=ppt/slides/slide2.xml><?xml version="1.0" encoding="utf-8"?>
+<p:sld xmlns:a="http://schemas.openxmlformats.org/drawingml/2006/main" xmlns:r="http://schemas.openxmlformats.org/officeDocument/2006/relationships" xmlns:p="http://schemas.openxmlformats.org/presentationml/2006/main">
+  <p:cSld>
+    <p:spTree>
+      <p:nvGrpSpPr>
+        <p:cNvPr id="1" name=""/>
+        <p:cNvGrpSpPr/>
+        <p:nvPr/>
+      </p:nvGrpSpPr>
+      <p:grpSpPr>
+        <a:xfrm>
+          <a:off x="0" y="0"/>
+          <a:ext cx="0" cy="0"/>
+          <a:chOff x="0" y="0"/>
+          <a:chExt cx="0" cy="0"/>
+        </a:xfrm>
+      </p:grpSpPr>
+      <p:sp>
+        <p:nvSpPr>
+          <p:cNvPr id="2" name="Title 1">
+            <a:extLst>
+              <a:ext uri="{FF2B5EF4-FFF2-40B4-BE49-F238E27FC236}">
+                <a16:creationId xmlns:a16="http://schemas.microsoft.com/office/drawing/2014/main" id="{BABA6ACD-85F6-8638-6939-8D6EC5E7A880}"/>
+              </a:ext>
+            </a:extLst>
+          </p:cNvPr>
+          <p:cNvSpPr>
+            <a:spLocks noGrp="1"/>
+          </p:cNvSpPr>
+          <p:nvPr>
+            <p:ph type="title"/>
+          </p:nvPr>
+        </p:nvSpPr>
+        <p:spPr/>
+        <p:txBody>
+          <a:bodyPr/>
+          <a:lstStyle/>
+          <a:p>
+            <a:r>
+              <a:rPr lang="en-GB" b="1" dirty="0"/>
+              <a:t>URLs</a:t>
+            </a:r>
+          </a:p>
+        </p:txBody>
+      </p:sp>
+      <p:sp>
+        <p:nvSpPr>
+          <p:cNvPr id="3" name="Content Placeholder 2">
+            <a:extLst>
+              <a:ext uri="{FF2B5EF4-FFF2-40B4-BE49-F238E27FC236}">
+                <a16:creationId xmlns:a16="http://schemas.microsoft.com/office/drawing/2014/main" id="{D5A8F0DE-67B2-14F7-8EC8-42C1C312D91E}"/>
+              </a:ext>
+            </a:extLst>
+          </p:cNvPr>
+          <p:cNvSpPr>
+            <a:spLocks noGrp="1"/>
+          </p:cNvSpPr>
+          <p:nvPr>
+            <p:ph idx="1"/>
+          </p:nvPr>
+        </p:nvSpPr>
+        <p:spPr/>
+        <p:txBody>
+          <a:bodyPr/>
+          <a:lstStyle/>
+          <a:p>
+            <a:pPr marL="0" indent="0">
+              <a:buNone/>
+            </a:pPr>
+            <a:r>
+              <a:rPr lang="en-GB" dirty="0"/>
+              <a:t>Presentation: </a:t>
+            </a:r>
+          </a:p>
+          <a:p>
+            <a:pPr lvl="1"/>
+            <a:r>
+              <a:rPr lang="en-GB" dirty="0">
+                <a:hlinkClick r:id="rId2"/>
+              </a:rPr>
+              <a:t>Meeting with Folson, Kobina (Student)-20230907_194805-Meeting Recording.mp4</a:t>
+            </a:r>
+            <a:endParaRPr lang="en-GB" dirty="0"/>
+          </a:p>
+          <a:p>
+            <a:pPr marL="0" indent="0">
+              <a:buNone/>
+            </a:pPr>
+            <a:r>
+              <a:rPr lang="en-GB" dirty="0"/>
+              <a:t>Product: </a:t>
+            </a:r>
+          </a:p>
+          <a:p>
+            <a:pPr lvl="1"/>
+            <a:r>
+              <a:rPr lang="en-GB" dirty="0">
+                <a:solidFill>
+                  <a:srgbClr val="DCA10D"/>
+                </a:solidFill>
+                <a:effectLst/>
+                <a:latin typeface="Helvetica Neue" panose="02000503000000020004" pitchFamily="2" charset="0"/>
+                <a:hlinkClick r:id="rId3"/>
+              </a:rPr>
+              <a:t>https://github.com/kobfolson/building-energy-prediction.git</a:t>
+            </a:r>
+            <a:endParaRPr lang="en-GB" dirty="0">
+              <a:solidFill>
+                <a:srgbClr val="DCA10D"/>
+              </a:solidFill>
+              <a:effectLst/>
+              <a:latin typeface="Helvetica Neue" panose="02000503000000020004" pitchFamily="2" charset="0"/>
+            </a:endParaRPr>
+          </a:p>
+          <a:p>
+            <a:pPr marL="1645920" lvl="1" indent="0">
+              <a:buNone/>
+            </a:pPr>
+            <a:endParaRPr lang="en-GB" dirty="0"/>
+          </a:p>
+          <a:p>
+            <a:pPr marL="0" indent="0">
+              <a:buNone/>
+            </a:pPr>
+            <a:r>
+              <a:rPr lang="en-GB" dirty="0"/>
+              <a:t>Data: </a:t>
+            </a:r>
+          </a:p>
+          <a:p>
+            <a:pPr lvl="1"/>
+            <a:r>
+              <a:rPr lang="en-GB" dirty="0">
+                <a:solidFill>
+                  <a:srgbClr val="DCA10D"/>
+                </a:solidFill>
+                <a:effectLst/>
+                <a:latin typeface="Helvetica Neue" panose="02000503000000020004" pitchFamily="2" charset="0"/>
+                <a:hlinkClick r:id="rId4"/>
+              </a:rPr>
+              <a:t>https://drive.google.com/file/d/1qmfnSTE3LoFkyEgW5EOsEQJJm6SrvADg/view?usp=sharing</a:t>
+            </a:r>
+            <a:endParaRPr lang="en-GB" dirty="0">
+              <a:solidFill>
+                <a:srgbClr val="DCA10D"/>
+              </a:solidFill>
+              <a:effectLst/>
+              <a:latin typeface="Helvetica Neue" panose="02000503000000020004" pitchFamily="2" charset="0"/>
+            </a:endParaRPr>
+          </a:p>
+          <a:p>
+            <a:pPr marL="1645920" lvl="1" indent="0">
+              <a:buNone/>
+            </a:pPr>
+            <a:endParaRPr lang="en-GB" dirty="0"/>
+          </a:p>
+        </p:txBody>
+      </p:sp>
+    </p:spTree>
+    <p:extLst>
+      <p:ext uri="{BB962C8B-B14F-4D97-AF65-F5344CB8AC3E}">
+        <p14:creationId xmlns:p14="http://schemas.microsoft.com/office/powerpoint/2010/main" val="3329423885"/>
       </p:ext>
     </p:extLst>
   </p:cSld>

--- a/MSc Poster Dissertation.pptx
+++ b/MSc Poster Dissertation.pptx
@@ -270,7 +270,7 @@
           <a:p>
             <a:fld id="{B1D00C88-309E-4A4F-8847-ED100B1C819C}" type="datetimeFigureOut">
               <a:rPr lang="en-GB" smtClean="0"/>
-              <a:t>05/09/2023</a:t>
+              <a:t>09/09/2023</a:t>
             </a:fld>
             <a:endParaRPr lang="en-GB"/>
           </a:p>
@@ -470,7 +470,7 @@
           <a:p>
             <a:fld id="{B1D00C88-309E-4A4F-8847-ED100B1C819C}" type="datetimeFigureOut">
               <a:rPr lang="en-GB" smtClean="0"/>
-              <a:t>05/09/2023</a:t>
+              <a:t>09/09/2023</a:t>
             </a:fld>
             <a:endParaRPr lang="en-GB"/>
           </a:p>
@@ -680,7 +680,7 @@
           <a:p>
             <a:fld id="{B1D00C88-309E-4A4F-8847-ED100B1C819C}" type="datetimeFigureOut">
               <a:rPr lang="en-GB" smtClean="0"/>
-              <a:t>05/09/2023</a:t>
+              <a:t>09/09/2023</a:t>
             </a:fld>
             <a:endParaRPr lang="en-GB"/>
           </a:p>
@@ -880,7 +880,7 @@
           <a:p>
             <a:fld id="{B1D00C88-309E-4A4F-8847-ED100B1C819C}" type="datetimeFigureOut">
               <a:rPr lang="en-GB" smtClean="0"/>
-              <a:t>05/09/2023</a:t>
+              <a:t>09/09/2023</a:t>
             </a:fld>
             <a:endParaRPr lang="en-GB"/>
           </a:p>
@@ -1156,7 +1156,7 @@
           <a:p>
             <a:fld id="{B1D00C88-309E-4A4F-8847-ED100B1C819C}" type="datetimeFigureOut">
               <a:rPr lang="en-GB" smtClean="0"/>
-              <a:t>05/09/2023</a:t>
+              <a:t>09/09/2023</a:t>
             </a:fld>
             <a:endParaRPr lang="en-GB"/>
           </a:p>
@@ -1424,7 +1424,7 @@
           <a:p>
             <a:fld id="{B1D00C88-309E-4A4F-8847-ED100B1C819C}" type="datetimeFigureOut">
               <a:rPr lang="en-GB" smtClean="0"/>
-              <a:t>05/09/2023</a:t>
+              <a:t>09/09/2023</a:t>
             </a:fld>
             <a:endParaRPr lang="en-GB"/>
           </a:p>
@@ -1839,7 +1839,7 @@
           <a:p>
             <a:fld id="{B1D00C88-309E-4A4F-8847-ED100B1C819C}" type="datetimeFigureOut">
               <a:rPr lang="en-GB" smtClean="0"/>
-              <a:t>05/09/2023</a:t>
+              <a:t>09/09/2023</a:t>
             </a:fld>
             <a:endParaRPr lang="en-GB"/>
           </a:p>
@@ -1981,7 +1981,7 @@
           <a:p>
             <a:fld id="{B1D00C88-309E-4A4F-8847-ED100B1C819C}" type="datetimeFigureOut">
               <a:rPr lang="en-GB" smtClean="0"/>
-              <a:t>05/09/2023</a:t>
+              <a:t>09/09/2023</a:t>
             </a:fld>
             <a:endParaRPr lang="en-GB"/>
           </a:p>
@@ -2094,7 +2094,7 @@
           <a:p>
             <a:fld id="{B1D00C88-309E-4A4F-8847-ED100B1C819C}" type="datetimeFigureOut">
               <a:rPr lang="en-GB" smtClean="0"/>
-              <a:t>05/09/2023</a:t>
+              <a:t>09/09/2023</a:t>
             </a:fld>
             <a:endParaRPr lang="en-GB"/>
           </a:p>
@@ -2407,7 +2407,7 @@
           <a:p>
             <a:fld id="{B1D00C88-309E-4A4F-8847-ED100B1C819C}" type="datetimeFigureOut">
               <a:rPr lang="en-GB" smtClean="0"/>
-              <a:t>05/09/2023</a:t>
+              <a:t>09/09/2023</a:t>
             </a:fld>
             <a:endParaRPr lang="en-GB"/>
           </a:p>
@@ -2696,7 +2696,7 @@
           <a:p>
             <a:fld id="{B1D00C88-309E-4A4F-8847-ED100B1C819C}" type="datetimeFigureOut">
               <a:rPr lang="en-GB" smtClean="0"/>
-              <a:t>05/09/2023</a:t>
+              <a:t>09/09/2023</a:t>
             </a:fld>
             <a:endParaRPr lang="en-GB"/>
           </a:p>
@@ -2939,7 +2939,7 @@
           <a:p>
             <a:fld id="{B1D00C88-309E-4A4F-8847-ED100B1C819C}" type="datetimeFigureOut">
               <a:rPr lang="en-GB" smtClean="0"/>
-              <a:t>05/09/2023</a:t>
+              <a:t>09/09/2023</a:t>
             </a:fld>
             <a:endParaRPr lang="en-GB"/>
           </a:p>
@@ -7599,8 +7599,11 @@
               <a:rPr lang="en-GB" dirty="0">
                 <a:hlinkClick r:id="rId2"/>
               </a:rPr>
-              <a:t>Meeting with Folson, Kobina (Student)-20230907_194805-Meeting Recording.mp4</a:t>
+              <a:t>https://youtu.be/zjvLZdO7-A8</a:t>
             </a:r>
+            <a:br>
+              <a:rPr lang="en-GB" dirty="0"/>
+            </a:br>
             <a:endParaRPr lang="en-GB" dirty="0"/>
           </a:p>
           <a:p>
@@ -7629,7 +7632,6 @@
               <a:solidFill>
                 <a:srgbClr val="DCA10D"/>
               </a:solidFill>
-              <a:effectLst/>
               <a:latin typeface="Helvetica Neue" panose="02000503000000020004" pitchFamily="2" charset="0"/>
             </a:endParaRPr>
           </a:p>
